--- a/기획서/신버전/보스 기획서.pptx
+++ b/기획서/신버전/보스 기획서.pptx
@@ -3869,6 +3869,35 @@
           <a:chExt cx="0" cy="0"/>
         </a:xfrm>
       </p:grpSpPr>
+      <p:pic>
+        <p:nvPicPr>
+          <p:cNvPr id="5" name="그림 4">
+            <a:extLst>
+              <a:ext uri="{FF2B5EF4-FFF2-40B4-BE49-F238E27FC236}">
+                <a16:creationId xmlns:a16="http://schemas.microsoft.com/office/drawing/2014/main" id="{FDD40A42-F170-4E1F-A359-D7E59824336D}"/>
+              </a:ext>
+            </a:extLst>
+          </p:cNvPr>
+          <p:cNvPicPr>
+            <a:picLocks noChangeAspect="1"/>
+          </p:cNvPicPr>
+          <p:nvPr/>
+        </p:nvPicPr>
+        <p:blipFill rotWithShape="1">
+          <a:blip r:embed="rId2"/>
+          <a:srcRect l="58813" t="10880" r="35682" b="37420"/>
+          <a:stretch/>
+        </p:blipFill>
+        <p:spPr>
+          <a:xfrm>
+            <a:off x="1002240" y="1420368"/>
+            <a:ext cx="2810421" cy="8098119"/>
+          </a:xfrm>
+          <a:prstGeom prst="rect">
+            <a:avLst/>
+          </a:prstGeom>
+        </p:spPr>
+      </p:pic>
       <p:sp>
         <p:nvSpPr>
           <p:cNvPr id="8" name="사각형: 둥근 모서리 7">
@@ -3929,7 +3958,7 @@
                 <a:latin typeface="메이플스토리" panose="02000300000000000000" pitchFamily="2" charset="-127"/>
                 <a:ea typeface="메이플스토리" panose="02000300000000000000" pitchFamily="2" charset="-127"/>
               </a:rPr>
-              <a:t>이름미정</a:t>
+              <a:t>거대메카</a:t>
             </a:r>
             <a:r>
               <a:rPr lang="en-US" altLang="ko-KR" b="1" dirty="0">
@@ -3992,35 +4021,6 @@
           </a:p>
         </p:txBody>
       </p:sp>
-      <p:pic>
-        <p:nvPicPr>
-          <p:cNvPr id="3" name="그림 2">
-            <a:extLst>
-              <a:ext uri="{FF2B5EF4-FFF2-40B4-BE49-F238E27FC236}">
-                <a16:creationId xmlns:a16="http://schemas.microsoft.com/office/drawing/2014/main" id="{627BC7EE-00EF-4CD9-B5AE-79045EF45392}"/>
-              </a:ext>
-            </a:extLst>
-          </p:cNvPr>
-          <p:cNvPicPr>
-            <a:picLocks noChangeAspect="1"/>
-          </p:cNvPicPr>
-          <p:nvPr/>
-        </p:nvPicPr>
-        <p:blipFill rotWithShape="1">
-          <a:blip r:embed="rId2"/>
-          <a:srcRect l="58494" t="20577" r="34433" b="41059"/>
-          <a:stretch/>
-        </p:blipFill>
-        <p:spPr>
-          <a:xfrm>
-            <a:off x="444539" y="1620129"/>
-            <a:ext cx="3413760" cy="5681473"/>
-          </a:xfrm>
-          <a:prstGeom prst="rect">
-            <a:avLst/>
-          </a:prstGeom>
-        </p:spPr>
-      </p:pic>
       <p:sp>
         <p:nvSpPr>
           <p:cNvPr id="4" name="사각형: 둥근 모서리 3">
@@ -4035,8 +4035,8 @@
         </p:nvSpPr>
         <p:spPr>
           <a:xfrm>
-            <a:off x="273851" y="1620129"/>
-            <a:ext cx="3755136" cy="2366427"/>
+            <a:off x="1463040" y="3474720"/>
+            <a:ext cx="2047952" cy="1255776"/>
           </a:xfrm>
           <a:prstGeom prst="roundRect">
             <a:avLst/>
@@ -4308,6 +4308,424 @@
                 </a:solidFill>
               </a:rPr>
               <a:t>①</a:t>
+            </a:r>
+            <a:endParaRPr lang="ko-KR" altLang="en-US" b="1" dirty="0">
+              <a:solidFill>
+                <a:srgbClr val="FF0000"/>
+              </a:solidFill>
+            </a:endParaRPr>
+          </a:p>
+        </p:txBody>
+      </p:sp>
+      <p:sp>
+        <p:nvSpPr>
+          <p:cNvPr id="6" name="사각형: 둥근 모서리 5">
+            <a:extLst>
+              <a:ext uri="{FF2B5EF4-FFF2-40B4-BE49-F238E27FC236}">
+                <a16:creationId xmlns:a16="http://schemas.microsoft.com/office/drawing/2014/main" id="{DF0CC1A0-630F-4A89-B3BE-CE6001C0472D}"/>
+              </a:ext>
+            </a:extLst>
+          </p:cNvPr>
+          <p:cNvSpPr/>
+          <p:nvPr/>
+        </p:nvSpPr>
+        <p:spPr>
+          <a:xfrm>
+            <a:off x="2048256" y="4730496"/>
+            <a:ext cx="853440" cy="3023616"/>
+          </a:xfrm>
+          <a:prstGeom prst="roundRect">
+            <a:avLst/>
+          </a:prstGeom>
+          <a:noFill/>
+          <a:ln w="38100">
+            <a:solidFill>
+              <a:srgbClr val="0070C0"/>
+            </a:solidFill>
+            <a:prstDash val="sysDash"/>
+            <a:extLst>
+              <a:ext uri="{C807C97D-BFC1-408E-A445-0C87EB9F89A2}">
+                <ask:lineSketchStyleProps xmlns:ask="http://schemas.microsoft.com/office/drawing/2018/sketchyshapes" sd="1413288495">
+                  <a:custGeom>
+                    <a:avLst/>
+                    <a:gdLst>
+                      <a:gd name="connsiteX0" fmla="*/ 0 w 3755136"/>
+                      <a:gd name="connsiteY0" fmla="*/ 394412 h 2366427"/>
+                      <a:gd name="connsiteX1" fmla="*/ 394412 w 3755136"/>
+                      <a:gd name="connsiteY1" fmla="*/ 0 h 2366427"/>
+                      <a:gd name="connsiteX2" fmla="*/ 958011 w 3755136"/>
+                      <a:gd name="connsiteY2" fmla="*/ 0 h 2366427"/>
+                      <a:gd name="connsiteX3" fmla="*/ 1551274 w 3755136"/>
+                      <a:gd name="connsiteY3" fmla="*/ 0 h 2366427"/>
+                      <a:gd name="connsiteX4" fmla="*/ 2144536 w 3755136"/>
+                      <a:gd name="connsiteY4" fmla="*/ 0 h 2366427"/>
+                      <a:gd name="connsiteX5" fmla="*/ 2797125 w 3755136"/>
+                      <a:gd name="connsiteY5" fmla="*/ 0 h 2366427"/>
+                      <a:gd name="connsiteX6" fmla="*/ 3360724 w 3755136"/>
+                      <a:gd name="connsiteY6" fmla="*/ 0 h 2366427"/>
+                      <a:gd name="connsiteX7" fmla="*/ 3755136 w 3755136"/>
+                      <a:gd name="connsiteY7" fmla="*/ 394412 h 2366427"/>
+                      <a:gd name="connsiteX8" fmla="*/ 3755136 w 3755136"/>
+                      <a:gd name="connsiteY8" fmla="*/ 904504 h 2366427"/>
+                      <a:gd name="connsiteX9" fmla="*/ 3755136 w 3755136"/>
+                      <a:gd name="connsiteY9" fmla="*/ 1446147 h 2366427"/>
+                      <a:gd name="connsiteX10" fmla="*/ 3755136 w 3755136"/>
+                      <a:gd name="connsiteY10" fmla="*/ 1972015 h 2366427"/>
+                      <a:gd name="connsiteX11" fmla="*/ 3360724 w 3755136"/>
+                      <a:gd name="connsiteY11" fmla="*/ 2366427 h 2366427"/>
+                      <a:gd name="connsiteX12" fmla="*/ 2856451 w 3755136"/>
+                      <a:gd name="connsiteY12" fmla="*/ 2366427 h 2366427"/>
+                      <a:gd name="connsiteX13" fmla="*/ 2203862 w 3755136"/>
+                      <a:gd name="connsiteY13" fmla="*/ 2366427 h 2366427"/>
+                      <a:gd name="connsiteX14" fmla="*/ 1551274 w 3755136"/>
+                      <a:gd name="connsiteY14" fmla="*/ 2366427 h 2366427"/>
+                      <a:gd name="connsiteX15" fmla="*/ 928348 w 3755136"/>
+                      <a:gd name="connsiteY15" fmla="*/ 2366427 h 2366427"/>
+                      <a:gd name="connsiteX16" fmla="*/ 394412 w 3755136"/>
+                      <a:gd name="connsiteY16" fmla="*/ 2366427 h 2366427"/>
+                      <a:gd name="connsiteX17" fmla="*/ 0 w 3755136"/>
+                      <a:gd name="connsiteY17" fmla="*/ 1972015 h 2366427"/>
+                      <a:gd name="connsiteX18" fmla="*/ 0 w 3755136"/>
+                      <a:gd name="connsiteY18" fmla="*/ 1446147 h 2366427"/>
+                      <a:gd name="connsiteX19" fmla="*/ 0 w 3755136"/>
+                      <a:gd name="connsiteY19" fmla="*/ 888728 h 2366427"/>
+                      <a:gd name="connsiteX20" fmla="*/ 0 w 3755136"/>
+                      <a:gd name="connsiteY20" fmla="*/ 394412 h 2366427"/>
+                    </a:gdLst>
+                    <a:ahLst/>
+                    <a:cxnLst>
+                      <a:cxn ang="0">
+                        <a:pos x="connsiteX0" y="connsiteY0"/>
+                      </a:cxn>
+                      <a:cxn ang="0">
+                        <a:pos x="connsiteX1" y="connsiteY1"/>
+                      </a:cxn>
+                      <a:cxn ang="0">
+                        <a:pos x="connsiteX2" y="connsiteY2"/>
+                      </a:cxn>
+                      <a:cxn ang="0">
+                        <a:pos x="connsiteX3" y="connsiteY3"/>
+                      </a:cxn>
+                      <a:cxn ang="0">
+                        <a:pos x="connsiteX4" y="connsiteY4"/>
+                      </a:cxn>
+                      <a:cxn ang="0">
+                        <a:pos x="connsiteX5" y="connsiteY5"/>
+                      </a:cxn>
+                      <a:cxn ang="0">
+                        <a:pos x="connsiteX6" y="connsiteY6"/>
+                      </a:cxn>
+                      <a:cxn ang="0">
+                        <a:pos x="connsiteX7" y="connsiteY7"/>
+                      </a:cxn>
+                      <a:cxn ang="0">
+                        <a:pos x="connsiteX8" y="connsiteY8"/>
+                      </a:cxn>
+                      <a:cxn ang="0">
+                        <a:pos x="connsiteX9" y="connsiteY9"/>
+                      </a:cxn>
+                      <a:cxn ang="0">
+                        <a:pos x="connsiteX10" y="connsiteY10"/>
+                      </a:cxn>
+                      <a:cxn ang="0">
+                        <a:pos x="connsiteX11" y="connsiteY11"/>
+                      </a:cxn>
+                      <a:cxn ang="0">
+                        <a:pos x="connsiteX12" y="connsiteY12"/>
+                      </a:cxn>
+                      <a:cxn ang="0">
+                        <a:pos x="connsiteX13" y="connsiteY13"/>
+                      </a:cxn>
+                      <a:cxn ang="0">
+                        <a:pos x="connsiteX14" y="connsiteY14"/>
+                      </a:cxn>
+                      <a:cxn ang="0">
+                        <a:pos x="connsiteX15" y="connsiteY15"/>
+                      </a:cxn>
+                      <a:cxn ang="0">
+                        <a:pos x="connsiteX16" y="connsiteY16"/>
+                      </a:cxn>
+                      <a:cxn ang="0">
+                        <a:pos x="connsiteX17" y="connsiteY17"/>
+                      </a:cxn>
+                      <a:cxn ang="0">
+                        <a:pos x="connsiteX18" y="connsiteY18"/>
+                      </a:cxn>
+                      <a:cxn ang="0">
+                        <a:pos x="connsiteX19" y="connsiteY19"/>
+                      </a:cxn>
+                      <a:cxn ang="0">
+                        <a:pos x="connsiteX20" y="connsiteY20"/>
+                      </a:cxn>
+                    </a:cxnLst>
+                    <a:rect l="l" t="t" r="r" b="b"/>
+                    <a:pathLst>
+                      <a:path w="3755136" h="2366427" extrusionOk="0">
+                        <a:moveTo>
+                          <a:pt x="0" y="394412"/>
+                        </a:moveTo>
+                        <a:cubicBezTo>
+                          <a:pt x="-20268" y="201871"/>
+                          <a:pt x="189399" y="18997"/>
+                          <a:pt x="394412" y="0"/>
+                        </a:cubicBezTo>
+                        <a:cubicBezTo>
+                          <a:pt x="587719" y="-22380"/>
+                          <a:pt x="789903" y="13404"/>
+                          <a:pt x="958011" y="0"/>
+                        </a:cubicBezTo>
+                        <a:cubicBezTo>
+                          <a:pt x="1126119" y="-13404"/>
+                          <a:pt x="1311503" y="28279"/>
+                          <a:pt x="1551274" y="0"/>
+                        </a:cubicBezTo>
+                        <a:cubicBezTo>
+                          <a:pt x="1791045" y="-28279"/>
+                          <a:pt x="1883858" y="16760"/>
+                          <a:pt x="2144536" y="0"/>
+                        </a:cubicBezTo>
+                        <a:cubicBezTo>
+                          <a:pt x="2405214" y="-16760"/>
+                          <a:pt x="2578020" y="74381"/>
+                          <a:pt x="2797125" y="0"/>
+                        </a:cubicBezTo>
+                        <a:cubicBezTo>
+                          <a:pt x="3016230" y="-74381"/>
+                          <a:pt x="3178846" y="38283"/>
+                          <a:pt x="3360724" y="0"/>
+                        </a:cubicBezTo>
+                        <a:cubicBezTo>
+                          <a:pt x="3538425" y="-42682"/>
+                          <a:pt x="3760359" y="170886"/>
+                          <a:pt x="3755136" y="394412"/>
+                        </a:cubicBezTo>
+                        <a:cubicBezTo>
+                          <a:pt x="3785247" y="579449"/>
+                          <a:pt x="3746512" y="744812"/>
+                          <a:pt x="3755136" y="904504"/>
+                        </a:cubicBezTo>
+                        <a:cubicBezTo>
+                          <a:pt x="3763760" y="1064196"/>
+                          <a:pt x="3745312" y="1257502"/>
+                          <a:pt x="3755136" y="1446147"/>
+                        </a:cubicBezTo>
+                        <a:cubicBezTo>
+                          <a:pt x="3764960" y="1634792"/>
+                          <a:pt x="3713836" y="1788436"/>
+                          <a:pt x="3755136" y="1972015"/>
+                        </a:cubicBezTo>
+                        <a:cubicBezTo>
+                          <a:pt x="3737816" y="2154515"/>
+                          <a:pt x="3584660" y="2329580"/>
+                          <a:pt x="3360724" y="2366427"/>
+                        </a:cubicBezTo>
+                        <a:cubicBezTo>
+                          <a:pt x="3221652" y="2393420"/>
+                          <a:pt x="2985382" y="2308598"/>
+                          <a:pt x="2856451" y="2366427"/>
+                        </a:cubicBezTo>
+                        <a:cubicBezTo>
+                          <a:pt x="2727520" y="2424256"/>
+                          <a:pt x="2470003" y="2333373"/>
+                          <a:pt x="2203862" y="2366427"/>
+                        </a:cubicBezTo>
+                        <a:cubicBezTo>
+                          <a:pt x="1937721" y="2399481"/>
+                          <a:pt x="1723408" y="2312106"/>
+                          <a:pt x="1551274" y="2366427"/>
+                        </a:cubicBezTo>
+                        <a:cubicBezTo>
+                          <a:pt x="1379140" y="2420748"/>
+                          <a:pt x="1185469" y="2298852"/>
+                          <a:pt x="928348" y="2366427"/>
+                        </a:cubicBezTo>
+                        <a:cubicBezTo>
+                          <a:pt x="671227" y="2434002"/>
+                          <a:pt x="519995" y="2366329"/>
+                          <a:pt x="394412" y="2366427"/>
+                        </a:cubicBezTo>
+                        <a:cubicBezTo>
+                          <a:pt x="200246" y="2365019"/>
+                          <a:pt x="-21573" y="2185373"/>
+                          <a:pt x="0" y="1972015"/>
+                        </a:cubicBezTo>
+                        <a:cubicBezTo>
+                          <a:pt x="-17999" y="1782318"/>
+                          <a:pt x="38100" y="1578160"/>
+                          <a:pt x="0" y="1446147"/>
+                        </a:cubicBezTo>
+                        <a:cubicBezTo>
+                          <a:pt x="-38100" y="1314134"/>
+                          <a:pt x="66019" y="1066653"/>
+                          <a:pt x="0" y="888728"/>
+                        </a:cubicBezTo>
+                        <a:cubicBezTo>
+                          <a:pt x="-66019" y="710803"/>
+                          <a:pt x="3343" y="505743"/>
+                          <a:pt x="0" y="394412"/>
+                        </a:cubicBezTo>
+                        <a:close/>
+                      </a:path>
+                    </a:pathLst>
+                  </a:custGeom>
+                  <ask:type>
+                    <ask:lineSketchNone/>
+                  </ask:type>
+                </ask:lineSketchStyleProps>
+              </a:ext>
+            </a:extLst>
+          </a:ln>
+        </p:spPr>
+        <p:style>
+          <a:lnRef idx="2">
+            <a:schemeClr val="accent1">
+              <a:shade val="50000"/>
+            </a:schemeClr>
+          </a:lnRef>
+          <a:fillRef idx="1">
+            <a:schemeClr val="accent1"/>
+          </a:fillRef>
+          <a:effectRef idx="0">
+            <a:schemeClr val="accent1"/>
+          </a:effectRef>
+          <a:fontRef idx="minor">
+            <a:schemeClr val="lt1"/>
+          </a:fontRef>
+        </p:style>
+        <p:txBody>
+          <a:bodyPr rtlCol="0" anchor="ctr"/>
+          <a:lstStyle/>
+          <a:p>
+            <a:pPr algn="ctr"/>
+            <a:r>
+              <a:rPr lang="ko-KR" altLang="en-US" sz="4400" b="1" dirty="0">
+                <a:solidFill>
+                  <a:srgbClr val="0070C0"/>
+                </a:solidFill>
+              </a:rPr>
+              <a:t>②</a:t>
+            </a:r>
+            <a:endParaRPr lang="ko-KR" altLang="en-US" b="1" dirty="0">
+              <a:solidFill>
+                <a:srgbClr val="0070C0"/>
+              </a:solidFill>
+            </a:endParaRPr>
+          </a:p>
+        </p:txBody>
+      </p:sp>
+      <p:pic>
+        <p:nvPicPr>
+          <p:cNvPr id="1026" name="Picture 2" descr="Gore Icon #207998 - Free Icons Library">
+            <a:extLst>
+              <a:ext uri="{FF2B5EF4-FFF2-40B4-BE49-F238E27FC236}">
+                <a16:creationId xmlns:a16="http://schemas.microsoft.com/office/drawing/2014/main" id="{EB3CAA2A-009D-4901-8DF3-C1F0B898E58F}"/>
+              </a:ext>
+            </a:extLst>
+          </p:cNvPr>
+          <p:cNvPicPr>
+            <a:picLocks noChangeAspect="1" noChangeArrowheads="1"/>
+          </p:cNvPicPr>
+          <p:nvPr/>
+        </p:nvPicPr>
+        <p:blipFill>
+          <a:blip r:embed="rId3">
+            <a:duotone>
+              <a:schemeClr val="accent2">
+                <a:shade val="45000"/>
+                <a:satMod val="135000"/>
+              </a:schemeClr>
+              <a:prstClr val="white"/>
+            </a:duotone>
+            <a:extLst>
+              <a:ext uri="{BEBA8EAE-BF5A-486C-A8C5-ECC9F3942E4B}">
+                <a14:imgProps xmlns:a14="http://schemas.microsoft.com/office/drawing/2010/main">
+                  <a14:imgLayer r:embed="rId4">
+                    <a14:imgEffect>
+                      <a14:backgroundRemoval t="7000" b="93500" l="10000" r="90000">
+                        <a14:foregroundMark x1="36029" y1="78500" x2="56500" y2="84500"/>
+                        <a14:foregroundMark x1="31272" y1="77106" x2="32618" y2="77500"/>
+                        <a14:foregroundMark x1="27500" y1="76000" x2="29644" y2="76628"/>
+                        <a14:foregroundMark x1="56500" y1="84500" x2="69500" y2="81000"/>
+                        <a14:foregroundMark x1="48000" y1="92000" x2="52000" y2="93500"/>
+                        <a14:foregroundMark x1="16000" y1="10000" x2="16500" y2="9000"/>
+                        <a14:foregroundMark x1="82500" y1="7000" x2="82500" y2="7000"/>
+                        <a14:backgroundMark x1="32500" y1="77500" x2="32500" y2="78500"/>
+                        <a14:backgroundMark x1="32500" y1="75500" x2="32000" y2="77000"/>
+                        <a14:backgroundMark x1="31000" y1="76000" x2="31500" y2="77000"/>
+                        <a14:backgroundMark x1="31500" y1="77500" x2="31000" y2="77500"/>
+                        <a14:backgroundMark x1="30500" y1="77000" x2="30500" y2="77000"/>
+                        <a14:backgroundMark x1="30500" y1="76000" x2="30500" y2="76000"/>
+                      </a14:backgroundRemoval>
+                    </a14:imgEffect>
+                  </a14:imgLayer>
+                </a14:imgProps>
+              </a:ext>
+              <a:ext uri="{28A0092B-C50C-407E-A947-70E740481C1C}">
+                <a14:useLocalDpi xmlns:a14="http://schemas.microsoft.com/office/drawing/2010/main" val="0"/>
+              </a:ext>
+            </a:extLst>
+          </a:blip>
+          <a:srcRect/>
+          <a:stretch>
+            <a:fillRect/>
+          </a:stretch>
+        </p:blipFill>
+        <p:spPr bwMode="auto">
+          <a:xfrm>
+            <a:off x="2096935" y="1547707"/>
+            <a:ext cx="780161" cy="780161"/>
+          </a:xfrm>
+          <a:prstGeom prst="rect">
+            <a:avLst/>
+          </a:prstGeom>
+          <a:noFill/>
+          <a:extLst>
+            <a:ext uri="{909E8E84-426E-40DD-AFC4-6F175D3DCCD1}">
+              <a14:hiddenFill xmlns:a14="http://schemas.microsoft.com/office/drawing/2010/main">
+                <a:solidFill>
+                  <a:srgbClr val="FFFFFF"/>
+                </a:solidFill>
+              </a14:hiddenFill>
+            </a:ext>
+          </a:extLst>
+        </p:spPr>
+      </p:pic>
+      <p:sp>
+        <p:nvSpPr>
+          <p:cNvPr id="7" name="TextBox 6">
+            <a:extLst>
+              <a:ext uri="{FF2B5EF4-FFF2-40B4-BE49-F238E27FC236}">
+                <a16:creationId xmlns:a16="http://schemas.microsoft.com/office/drawing/2014/main" id="{DF879980-4A09-48A3-931C-1FF1C3934983}"/>
+              </a:ext>
+            </a:extLst>
+          </p:cNvPr>
+          <p:cNvSpPr txBox="1"/>
+          <p:nvPr/>
+        </p:nvSpPr>
+        <p:spPr>
+          <a:xfrm>
+            <a:off x="1961743" y="2749224"/>
+            <a:ext cx="1050544" cy="646331"/>
+          </a:xfrm>
+          <a:prstGeom prst="rect">
+            <a:avLst/>
+          </a:prstGeom>
+          <a:noFill/>
+        </p:spPr>
+        <p:txBody>
+          <a:bodyPr wrap="square" rtlCol="0">
+            <a:spAutoFit/>
+          </a:bodyPr>
+          <a:lstStyle/>
+          <a:p>
+            <a:pPr algn="ctr"/>
+            <a:r>
+              <a:rPr lang="ko-KR" altLang="en-US" sz="3600" b="1" dirty="0">
+                <a:solidFill>
+                  <a:srgbClr val="FF0000"/>
+                </a:solidFill>
+              </a:rPr>
+              <a:t>③</a:t>
             </a:r>
             <a:endParaRPr lang="ko-KR" altLang="en-US" b="1" dirty="0">
               <a:solidFill>
